--- a/人工智能/学习笔记/第二课/1.01训练开发测试集.pptx
+++ b/人工智能/学习笔记/第二课/1.01训练开发测试集.pptx
@@ -2953,7 +2953,7 @@
             </a:r>
             <a:r>
               <a:rPr lang="zh-CN" altLang="en-US" sz="2000">
-                <a:hlinkClick r:id="rId1" tooltip=""/>
+                <a:hlinkClick r:id="rId1"/>
               </a:rPr>
               <a:t>http://blog.csdn.net/wangpengfei_p/article/details/78882198</a:t>
             </a:r>
@@ -3164,7 +3164,7 @@
         </p:blipFill>
         <p:spPr>
           <a:xfrm>
-            <a:off x="8085455" y="4149725"/>
+            <a:off x="8085455" y="4121150"/>
             <a:ext cx="3078480" cy="2087880"/>
           </a:xfrm>
           <a:prstGeom prst="rect">
